--- a/session-1/Session 1.pptx
+++ b/session-1/Session 1.pptx
@@ -5,7 +5,7 @@
     <p:sldMasterId id="2147483699" r:id="rId1"/>
   </p:sldMasterIdLst>
   <p:notesMasterIdLst>
-    <p:notesMasterId r:id="rId26"/>
+    <p:notesMasterId r:id="rId27"/>
   </p:notesMasterIdLst>
   <p:sldIdLst>
     <p:sldId id="256" r:id="rId2"/>
@@ -29,9 +29,10 @@
     <p:sldId id="273" r:id="rId20"/>
     <p:sldId id="262" r:id="rId21"/>
     <p:sldId id="339" r:id="rId22"/>
-    <p:sldId id="340" r:id="rId23"/>
-    <p:sldId id="265" r:id="rId24"/>
-    <p:sldId id="269" r:id="rId25"/>
+    <p:sldId id="343" r:id="rId23"/>
+    <p:sldId id="340" r:id="rId24"/>
+    <p:sldId id="265" r:id="rId25"/>
+    <p:sldId id="269" r:id="rId26"/>
   </p:sldIdLst>
   <p:sldSz cx="9144000" cy="5943600"/>
   <p:notesSz cx="6858000" cy="1600200"/>
@@ -239,7 +240,7 @@
             <a:fld id="{7C297133-D644-4CB3-A9A5-B82CDC5AFE95}" type="datetimeFigureOut">
               <a:rPr lang="en-US" smtClean="0"/>
               <a:pPr/>
-              <a:t>9/17/19</a:t>
+              <a:t>9/20/19</a:t>
             </a:fld>
             <a:endParaRPr lang="en-US"/>
           </a:p>
@@ -658,7 +659,7 @@
           <a:p>
             <a:fld id="{0AFDE206-744D-3048-87E3-4D9C3917EC54}" type="datetimeFigureOut">
               <a:rPr lang="en-US" smtClean="0"/>
-              <a:t>9/17/19</a:t>
+              <a:t>9/20/19</a:t>
             </a:fld>
             <a:endParaRPr lang="en-US"/>
           </a:p>
@@ -1563,7 +1564,7 @@
           <a:p>
             <a:fld id="{0AFDE206-744D-3048-87E3-4D9C3917EC54}" type="datetimeFigureOut">
               <a:rPr lang="en-US" smtClean="0"/>
-              <a:t>9/17/19</a:t>
+              <a:t>9/20/19</a:t>
             </a:fld>
             <a:endParaRPr lang="en-US"/>
           </a:p>
@@ -1774,7 +1775,7 @@
           <a:p>
             <a:fld id="{0AFDE206-744D-3048-87E3-4D9C3917EC54}" type="datetimeFigureOut">
               <a:rPr lang="en-US" smtClean="0"/>
-              <a:t>9/17/19</a:t>
+              <a:t>9/20/19</a:t>
             </a:fld>
             <a:endParaRPr lang="en-US"/>
           </a:p>
@@ -9079,7 +9080,7 @@
           <a:p>
             <a:fld id="{0AFDE206-744D-3048-87E3-4D9C3917EC54}" type="datetimeFigureOut">
               <a:rPr lang="en-US" smtClean="0"/>
-              <a:t>9/17/19</a:t>
+              <a:t>9/20/19</a:t>
             </a:fld>
             <a:endParaRPr lang="en-US"/>
           </a:p>
@@ -10158,7 +10159,7 @@
           <a:p>
             <a:fld id="{0AFDE206-744D-3048-87E3-4D9C3917EC54}" type="datetimeFigureOut">
               <a:rPr lang="en-US" smtClean="0"/>
-              <a:t>9/17/19</a:t>
+              <a:t>9/20/19</a:t>
             </a:fld>
             <a:endParaRPr lang="en-US"/>
           </a:p>
@@ -10427,7 +10428,7 @@
           <a:p>
             <a:fld id="{0AFDE206-744D-3048-87E3-4D9C3917EC54}" type="datetimeFigureOut">
               <a:rPr lang="en-US" smtClean="0"/>
-              <a:t>9/17/19</a:t>
+              <a:t>9/20/19</a:t>
             </a:fld>
             <a:endParaRPr lang="en-US"/>
           </a:p>
@@ -10843,7 +10844,7 @@
           <a:p>
             <a:fld id="{0AFDE206-744D-3048-87E3-4D9C3917EC54}" type="datetimeFigureOut">
               <a:rPr lang="en-US" smtClean="0"/>
-              <a:t>9/17/19</a:t>
+              <a:t>9/20/19</a:t>
             </a:fld>
             <a:endParaRPr lang="en-US"/>
           </a:p>
@@ -11824,7 +11825,7 @@
           <a:p>
             <a:fld id="{0AFDE206-744D-3048-87E3-4D9C3917EC54}" type="datetimeFigureOut">
               <a:rPr lang="en-US" smtClean="0"/>
-              <a:t>9/17/19</a:t>
+              <a:t>9/20/19</a:t>
             </a:fld>
             <a:endParaRPr lang="en-US"/>
           </a:p>
@@ -12756,7 +12757,7 @@
           <a:p>
             <a:fld id="{0AFDE206-744D-3048-87E3-4D9C3917EC54}" type="datetimeFigureOut">
               <a:rPr lang="en-US" smtClean="0"/>
-              <a:t>9/17/19</a:t>
+              <a:t>9/20/19</a:t>
             </a:fld>
             <a:endParaRPr lang="en-US"/>
           </a:p>
@@ -13070,7 +13071,7 @@
           <a:p>
             <a:fld id="{0AFDE206-744D-3048-87E3-4D9C3917EC54}" type="datetimeFigureOut">
               <a:rPr lang="en-US" smtClean="0"/>
-              <a:t>9/17/19</a:t>
+              <a:t>9/20/19</a:t>
             </a:fld>
             <a:endParaRPr lang="en-US"/>
           </a:p>
@@ -14198,7 +14199,7 @@
           <a:p>
             <a:fld id="{0AFDE206-744D-3048-87E3-4D9C3917EC54}" type="datetimeFigureOut">
               <a:rPr lang="en-US" smtClean="0"/>
-              <a:t>9/17/19</a:t>
+              <a:t>9/20/19</a:t>
             </a:fld>
             <a:endParaRPr lang="en-US"/>
           </a:p>
@@ -15280,7 +15281,7 @@
           <a:p>
             <a:fld id="{0AFDE206-744D-3048-87E3-4D9C3917EC54}" type="datetimeFigureOut">
               <a:rPr lang="en-US" smtClean="0"/>
-              <a:t>9/17/19</a:t>
+              <a:t>9/20/19</a:t>
             </a:fld>
             <a:endParaRPr lang="en-US"/>
           </a:p>
@@ -17217,36 +17218,36 @@
               <a:buChar char="§"/>
             </a:pPr>
             <a:r>
-              <a:rPr lang="en-IN" sz="1350" b="1" dirty="0">
+              <a:rPr lang="en-IN" b="1" dirty="0">
                 <a:latin typeface="Consolas" panose="020B0609020204030204" pitchFamily="49" charset="0"/>
                 <a:cs typeface="Consolas" panose="020B0609020204030204" pitchFamily="49" charset="0"/>
               </a:rPr>
               <a:t>*</a:t>
             </a:r>
             <a:r>
-              <a:rPr lang="en-IN" sz="1350" b="1" dirty="0" err="1">
+              <a:rPr lang="en-IN" b="1" dirty="0" err="1">
                 <a:latin typeface="Consolas" panose="020B0609020204030204" pitchFamily="49" charset="0"/>
                 <a:cs typeface="Consolas" panose="020B0609020204030204" pitchFamily="49" charset="0"/>
               </a:rPr>
               <a:t>ngIf</a:t>
             </a:r>
             <a:r>
-              <a:rPr lang="en-IN" sz="1350" b="1" dirty="0">
+              <a:rPr lang="en-IN" b="1" dirty="0">
                 <a:latin typeface="Consolas" panose="020B0609020204030204" pitchFamily="49" charset="0"/>
                 <a:cs typeface="Consolas" panose="020B0609020204030204" pitchFamily="49" charset="0"/>
               </a:rPr>
               <a:t> </a:t>
             </a:r>
             <a:r>
-              <a:rPr lang="en-IN" sz="1350" dirty="0"/>
+              <a:rPr lang="en-IN" dirty="0"/>
               <a:t>— conditionally creates or destroys </a:t>
             </a:r>
             <a:r>
-              <a:rPr lang="en-IN" sz="1350" dirty="0" err="1"/>
+              <a:rPr lang="en-IN" dirty="0" err="1"/>
               <a:t>subviews</a:t>
             </a:r>
             <a:r>
-              <a:rPr lang="en-IN" sz="1350" dirty="0"/>
+              <a:rPr lang="en-IN" dirty="0"/>
               <a:t> from the template.</a:t>
             </a:r>
           </a:p>
@@ -17256,28 +17257,28 @@
               <a:buChar char="§"/>
             </a:pPr>
             <a:r>
-              <a:rPr lang="en-IN" sz="1350" b="1" dirty="0">
+              <a:rPr lang="en-IN" b="1" dirty="0">
                 <a:latin typeface="Consolas" panose="020B0609020204030204" pitchFamily="49" charset="0"/>
                 <a:cs typeface="Consolas" panose="020B0609020204030204" pitchFamily="49" charset="0"/>
               </a:rPr>
               <a:t>*</a:t>
             </a:r>
             <a:r>
-              <a:rPr lang="en-IN" sz="1350" b="1" dirty="0" err="1">
+              <a:rPr lang="en-IN" b="1" dirty="0" err="1">
                 <a:latin typeface="Consolas" panose="020B0609020204030204" pitchFamily="49" charset="0"/>
                 <a:cs typeface="Consolas" panose="020B0609020204030204" pitchFamily="49" charset="0"/>
               </a:rPr>
               <a:t>ngFor</a:t>
             </a:r>
             <a:r>
-              <a:rPr lang="en-IN" sz="1350" b="1" dirty="0">
+              <a:rPr lang="en-IN" b="1" dirty="0">
                 <a:latin typeface="Consolas" panose="020B0609020204030204" pitchFamily="49" charset="0"/>
                 <a:cs typeface="Consolas" panose="020B0609020204030204" pitchFamily="49" charset="0"/>
               </a:rPr>
               <a:t> </a:t>
             </a:r>
             <a:r>
-              <a:rPr lang="en-IN" sz="1350" dirty="0"/>
+              <a:rPr lang="en-IN" dirty="0"/>
               <a:t>— repeat a node for each item in a list.</a:t>
             </a:r>
           </a:p>
@@ -17287,28 +17288,28 @@
               <a:buChar char="§"/>
             </a:pPr>
             <a:r>
-              <a:rPr lang="en-IN" sz="1350" b="1" dirty="0">
+              <a:rPr lang="en-IN" b="1" dirty="0">
                 <a:latin typeface="Consolas" panose="020B0609020204030204" pitchFamily="49" charset="0"/>
                 <a:cs typeface="Consolas" panose="020B0609020204030204" pitchFamily="49" charset="0"/>
               </a:rPr>
               <a:t>[</a:t>
             </a:r>
             <a:r>
-              <a:rPr lang="en-IN" sz="1350" b="1" dirty="0" err="1">
+              <a:rPr lang="en-IN" b="1" dirty="0" err="1">
                 <a:latin typeface="Consolas" panose="020B0609020204030204" pitchFamily="49" charset="0"/>
                 <a:cs typeface="Consolas" panose="020B0609020204030204" pitchFamily="49" charset="0"/>
               </a:rPr>
               <a:t>ngSwitch</a:t>
             </a:r>
             <a:r>
-              <a:rPr lang="en-IN" sz="1350" b="1" dirty="0">
+              <a:rPr lang="en-IN" b="1" dirty="0">
                 <a:latin typeface="Consolas" panose="020B0609020204030204" pitchFamily="49" charset="0"/>
                 <a:cs typeface="Consolas" panose="020B0609020204030204" pitchFamily="49" charset="0"/>
               </a:rPr>
               <a:t>]</a:t>
             </a:r>
             <a:r>
-              <a:rPr lang="en-IN" sz="1350" dirty="0"/>
+              <a:rPr lang="en-IN" dirty="0"/>
               <a:t> — a set of directives that switch among alternative views.</a:t>
             </a:r>
           </a:p>
@@ -17927,6 +17928,129 @@
           <p:cNvPr id="2" name="Title 1">
             <a:extLst>
               <a:ext uri="{FF2B5EF4-FFF2-40B4-BE49-F238E27FC236}">
+                <a16:creationId xmlns:a16="http://schemas.microsoft.com/office/drawing/2014/main" id="{70EF7135-AEDA-4047-A54B-54A1AF15B662}"/>
+              </a:ext>
+            </a:extLst>
+          </p:cNvPr>
+          <p:cNvSpPr>
+            <a:spLocks noGrp="1"/>
+          </p:cNvSpPr>
+          <p:nvPr>
+            <p:ph type="title"/>
+          </p:nvPr>
+        </p:nvSpPr>
+        <p:spPr/>
+        <p:txBody>
+          <a:bodyPr/>
+          <a:lstStyle/>
+          <a:p>
+            <a:r>
+              <a:rPr lang="en-US" dirty="0"/>
+              <a:t>Lifecycle hooks</a:t>
+            </a:r>
+          </a:p>
+        </p:txBody>
+      </p:sp>
+      <p:pic>
+        <p:nvPicPr>
+          <p:cNvPr id="6" name="Content Placeholder 5">
+            <a:extLst>
+              <a:ext uri="{FF2B5EF4-FFF2-40B4-BE49-F238E27FC236}">
+                <a16:creationId xmlns:a16="http://schemas.microsoft.com/office/drawing/2014/main" id="{4C80AC45-D718-754C-8B80-3C355CA660C4}"/>
+              </a:ext>
+            </a:extLst>
+          </p:cNvPr>
+          <p:cNvPicPr>
+            <a:picLocks noGrp="1" noChangeAspect="1"/>
+          </p:cNvPicPr>
+          <p:nvPr>
+            <p:ph idx="1"/>
+          </p:nvPr>
+        </p:nvPicPr>
+        <p:blipFill>
+          <a:blip r:embed="rId2">
+            <a:extLst>
+              <a:ext uri="{28A0092B-C50C-407E-A947-70E740481C1C}">
+                <a14:useLocalDpi xmlns:a14="http://schemas.microsoft.com/office/drawing/2010/main" val="0"/>
+              </a:ext>
+            </a:extLst>
+          </a:blip>
+          <a:stretch>
+            <a:fillRect/>
+          </a:stretch>
+        </p:blipFill>
+        <p:spPr>
+          <a:xfrm>
+            <a:off x="1189941" y="1493150"/>
+            <a:ext cx="3671426" cy="3894688"/>
+          </a:xfrm>
+        </p:spPr>
+      </p:pic>
+      <p:sp>
+        <p:nvSpPr>
+          <p:cNvPr id="4" name="Slide Number Placeholder 3">
+            <a:extLst>
+              <a:ext uri="{FF2B5EF4-FFF2-40B4-BE49-F238E27FC236}">
+                <a16:creationId xmlns:a16="http://schemas.microsoft.com/office/drawing/2014/main" id="{F3954F4F-1E45-AC42-BEFF-A9B1F3BC1B6A}"/>
+              </a:ext>
+            </a:extLst>
+          </p:cNvPr>
+          <p:cNvSpPr>
+            <a:spLocks noGrp="1"/>
+          </p:cNvSpPr>
+          <p:nvPr>
+            <p:ph type="sldNum" sz="quarter" idx="12"/>
+          </p:nvPr>
+        </p:nvSpPr>
+        <p:spPr/>
+        <p:txBody>
+          <a:bodyPr/>
+          <a:lstStyle/>
+          <a:p>
+            <a:fld id="{ABBBA974-37FA-4314-8CA6-CE2859D26BDF}" type="slidenum">
+              <a:rPr lang="en-US" smtClean="0"/>
+              <a:pPr/>
+              <a:t>22</a:t>
+            </a:fld>
+            <a:endParaRPr lang="en-US"/>
+          </a:p>
+        </p:txBody>
+      </p:sp>
+    </p:spTree>
+    <p:extLst>
+      <p:ext uri="{BB962C8B-B14F-4D97-AF65-F5344CB8AC3E}">
+        <p14:creationId xmlns:p14="http://schemas.microsoft.com/office/powerpoint/2010/main" val="3328617713"/>
+      </p:ext>
+    </p:extLst>
+  </p:cSld>
+  <p:clrMapOvr>
+    <a:masterClrMapping/>
+  </p:clrMapOvr>
+</p:sld>
+</file>
+
+<file path=ppt/slides/slide23.xml><?xml version="1.0" encoding="utf-8"?>
+<p:sld xmlns:a="http://schemas.openxmlformats.org/drawingml/2006/main" xmlns:r="http://schemas.openxmlformats.org/officeDocument/2006/relationships" xmlns:p="http://schemas.openxmlformats.org/presentationml/2006/main">
+  <p:cSld>
+    <p:spTree>
+      <p:nvGrpSpPr>
+        <p:cNvPr id="1" name=""/>
+        <p:cNvGrpSpPr/>
+        <p:nvPr/>
+      </p:nvGrpSpPr>
+      <p:grpSpPr>
+        <a:xfrm>
+          <a:off x="0" y="0"/>
+          <a:ext cx="0" cy="0"/>
+          <a:chOff x="0" y="0"/>
+          <a:chExt cx="0" cy="0"/>
+        </a:xfrm>
+      </p:grpSpPr>
+      <p:sp>
+        <p:nvSpPr>
+          <p:cNvPr id="2" name="Title 1">
+            <a:extLst>
+              <a:ext uri="{FF2B5EF4-FFF2-40B4-BE49-F238E27FC236}">
                 <a16:creationId xmlns:a16="http://schemas.microsoft.com/office/drawing/2014/main" id="{31623684-914C-354D-9FAF-5902F279A6FF}"/>
               </a:ext>
             </a:extLst>
@@ -18043,7 +18167,7 @@
             <a:fld id="{ABBBA974-37FA-4314-8CA6-CE2859D26BDF}" type="slidenum">
               <a:rPr lang="en-US" smtClean="0"/>
               <a:pPr/>
-              <a:t>22</a:t>
+              <a:t>23</a:t>
             </a:fld>
             <a:endParaRPr lang="en-US"/>
           </a:p>
@@ -18062,7 +18186,7 @@
 </p:sld>
 </file>
 
-<file path=ppt/slides/slide23.xml><?xml version="1.0" encoding="utf-8"?>
+<file path=ppt/slides/slide24.xml><?xml version="1.0" encoding="utf-8"?>
 <p:sld xmlns:a="http://schemas.openxmlformats.org/drawingml/2006/main" xmlns:r="http://schemas.openxmlformats.org/officeDocument/2006/relationships" xmlns:p="http://schemas.openxmlformats.org/presentationml/2006/main">
   <p:cSld>
     <p:spTree>
@@ -18214,7 +18338,7 @@
 </p:sld>
 </file>
 
-<file path=ppt/slides/slide24.xml><?xml version="1.0" encoding="utf-8"?>
+<file path=ppt/slides/slide25.xml><?xml version="1.0" encoding="utf-8"?>
 <p:sld xmlns:a="http://schemas.openxmlformats.org/drawingml/2006/main" xmlns:r="http://schemas.openxmlformats.org/officeDocument/2006/relationships" xmlns:p="http://schemas.openxmlformats.org/presentationml/2006/main">
   <p:cSld>
     <p:spTree>
@@ -18779,8 +18903,8 @@
           <a:lstStyle/>
           <a:p>
             <a:r>
-              <a:rPr lang="en-US"/>
-              <a:t>Typescript</a:t>
+              <a:rPr lang="en-US" dirty="0"/>
+              <a:t>Prerequisites</a:t>
             </a:r>
           </a:p>
         </p:txBody>
@@ -18801,40 +18925,47 @@
           <a:lstStyle/>
           <a:p>
             <a:r>
-              <a:rPr lang="en-US"/>
+              <a:rPr lang="en-US" dirty="0"/>
+              <a:t>Typescript</a:t>
+            </a:r>
+          </a:p>
+          <a:p>
+            <a:pPr lvl="1"/>
+            <a:r>
+              <a:rPr lang="en-US" dirty="0"/>
               <a:t>“Typescript is a typed superset of JS that compiles to plain JS”</a:t>
             </a:r>
           </a:p>
           <a:p>
-            <a:r>
-              <a:rPr lang="en-US"/>
-              <a:t>Features:</a:t>
-            </a:r>
-          </a:p>
-          <a:p>
             <a:pPr lvl="1"/>
-            <a:r>
-              <a:rPr lang="en-US"/>
-              <a:t>Type annotations</a:t>
-            </a:r>
+            <a:endParaRPr lang="en-US" dirty="0"/>
+          </a:p>
+          <a:p>
+            <a:r>
+              <a:rPr lang="en-US" dirty="0" err="1"/>
+              <a:t>RxJS</a:t>
+            </a:r>
+            <a:endParaRPr lang="en-US" dirty="0"/>
           </a:p>
           <a:p>
             <a:pPr lvl="1"/>
             <a:r>
-              <a:rPr lang="en-US"/>
-              <a:t>Interfaces</a:t>
-            </a:r>
-          </a:p>
-          <a:p>
-            <a:pPr lvl="1"/>
-            <a:r>
-              <a:rPr lang="en-US"/>
-              <a:t>Classes</a:t>
-            </a:r>
-          </a:p>
-          <a:p>
-            <a:pPr lvl="1"/>
-            <a:endParaRPr lang="en-US"/>
+              <a:rPr lang="en-IN" dirty="0" err="1"/>
+              <a:t>RxJS</a:t>
+            </a:r>
+            <a:r>
+              <a:rPr lang="en-IN" dirty="0"/>
+              <a:t> (Reactive Extensions for JavaScript) is a library for reactive programming using observables that makes it easier to compose asynchronous or </a:t>
+            </a:r>
+            <a:r>
+              <a:rPr lang="en-IN" dirty="0" err="1"/>
+              <a:t>callback</a:t>
+            </a:r>
+            <a:r>
+              <a:rPr lang="en-IN" dirty="0"/>
+              <a:t>-based code.</a:t>
+            </a:r>
+            <a:endParaRPr lang="en-US" dirty="0"/>
           </a:p>
         </p:txBody>
       </p:sp>
@@ -18914,32 +19045,34 @@
         </p:nvSpPr>
         <p:spPr/>
         <p:txBody>
-          <a:bodyPr/>
+          <a:bodyPr>
+            <a:normAutofit/>
+          </a:bodyPr>
           <a:lstStyle/>
           <a:p>
             <a:r>
-              <a:rPr lang="en-US"/>
+              <a:rPr lang="en-US" dirty="0"/>
               <a:t>Angular CLI is a command line interface that speeds up development by automating significant parts of the workflow.</a:t>
             </a:r>
           </a:p>
           <a:p>
             <a:r>
-              <a:rPr lang="en-US"/>
+              <a:rPr lang="en-US" dirty="0"/>
               <a:t>You’ll need the latest versions of node and </a:t>
             </a:r>
             <a:r>
-              <a:rPr lang="en-US" err="1"/>
+              <a:rPr lang="en-US" dirty="0" err="1"/>
               <a:t>npm</a:t>
             </a:r>
             <a:r>
-              <a:rPr lang="en-US"/>
+              <a:rPr lang="en-US" dirty="0"/>
               <a:t> on your machine</a:t>
             </a:r>
           </a:p>
           <a:p>
             <a:r>
-              <a:rPr lang="en-US"/>
-              <a:t>To create a new app:</a:t>
+              <a:rPr lang="en-US" dirty="0"/>
+              <a:t>To install CLI, run:</a:t>
             </a:r>
           </a:p>
           <a:p>
@@ -18947,18 +19080,44 @@
               <a:buNone/>
             </a:pPr>
             <a:r>
-              <a:rPr lang="en-US">
+              <a:rPr lang="en-US" dirty="0" err="1">
+                <a:latin typeface="Consolas" panose="020B0609020204030204" pitchFamily="49" charset="0"/>
+                <a:cs typeface="Consolas" panose="020B0609020204030204" pitchFamily="49" charset="0"/>
+              </a:rPr>
+              <a:t>npm</a:t>
+            </a:r>
+            <a:r>
+              <a:rPr lang="en-US" dirty="0">
+                <a:latin typeface="Consolas" panose="020B0609020204030204" pitchFamily="49" charset="0"/>
+                <a:cs typeface="Consolas" panose="020B0609020204030204" pitchFamily="49" charset="0"/>
+              </a:rPr>
+              <a:t> install –g @angular/cli</a:t>
+            </a:r>
+            <a:endParaRPr lang="en-US" dirty="0"/>
+          </a:p>
+          <a:p>
+            <a:r>
+              <a:rPr lang="en-US" dirty="0"/>
+              <a:t>To create a new app:</a:t>
+            </a:r>
+          </a:p>
+          <a:p>
+            <a:pPr marL="342900" lvl="1" indent="0">
+              <a:buNone/>
+            </a:pPr>
+            <a:r>
+              <a:rPr lang="en-US" dirty="0">
                 <a:latin typeface="Consolas" panose="020B0609020204030204" pitchFamily="49" charset="0"/>
                 <a:cs typeface="Consolas" panose="020B0609020204030204" pitchFamily="49" charset="0"/>
               </a:rPr>
               <a:t>ng new </a:t>
             </a:r>
             <a:r>
-              <a:rPr lang="en-US" i="1">
+              <a:rPr lang="en-US" i="1" dirty="0">
                 <a:latin typeface="Consolas" panose="020B0609020204030204" pitchFamily="49" charset="0"/>
                 <a:cs typeface="Consolas" panose="020B0609020204030204" pitchFamily="49" charset="0"/>
               </a:rPr>
-              <a:t>sandbox</a:t>
+              <a:t>project-name</a:t>
             </a:r>
           </a:p>
           <a:p>
@@ -18966,18 +19125,18 @@
               <a:buNone/>
             </a:pPr>
             <a:r>
-              <a:rPr lang="en-US">
+              <a:rPr lang="en-US" dirty="0">
                 <a:latin typeface="Consolas" panose="020B0609020204030204" pitchFamily="49" charset="0"/>
                 <a:cs typeface="Consolas" panose="020B0609020204030204" pitchFamily="49" charset="0"/>
               </a:rPr>
               <a:t>cd </a:t>
             </a:r>
             <a:r>
-              <a:rPr lang="en-US" i="1">
+              <a:rPr lang="en-US" i="1" dirty="0">
                 <a:latin typeface="Consolas" panose="020B0609020204030204" pitchFamily="49" charset="0"/>
                 <a:cs typeface="Consolas" panose="020B0609020204030204" pitchFamily="49" charset="0"/>
               </a:rPr>
-              <a:t>sandbox</a:t>
+              <a:t>project-name</a:t>
             </a:r>
           </a:p>
           <a:p>
@@ -18985,7 +19144,7 @@
               <a:buNone/>
             </a:pPr>
             <a:r>
-              <a:rPr lang="en-US">
+              <a:rPr lang="en-US" dirty="0">
                 <a:latin typeface="Consolas" panose="020B0609020204030204" pitchFamily="49" charset="0"/>
                 <a:cs typeface="Consolas" panose="020B0609020204030204" pitchFamily="49" charset="0"/>
               </a:rPr>
@@ -18996,7 +19155,7 @@
             <a:pPr marL="342900" lvl="1" indent="0">
               <a:buNone/>
             </a:pPr>
-            <a:endParaRPr lang="en-US">
+            <a:endParaRPr lang="en-US" dirty="0">
               <a:latin typeface="Consolas" panose="020B0609020204030204" pitchFamily="49" charset="0"/>
               <a:cs typeface="Consolas" panose="020B0609020204030204" pitchFamily="49" charset="0"/>
             </a:endParaRPr>
@@ -19006,11 +19165,11 @@
               <a:buNone/>
             </a:pPr>
             <a:r>
-              <a:rPr lang="en-US"/>
+              <a:rPr lang="en-US" dirty="0"/>
               <a:t>The app will run on </a:t>
             </a:r>
             <a:r>
-              <a:rPr lang="en-US">
+              <a:rPr lang="en-US" dirty="0">
                 <a:latin typeface="Consolas" panose="020B0609020204030204" pitchFamily="49" charset="0"/>
                 <a:cs typeface="Consolas" panose="020B0609020204030204" pitchFamily="49" charset="0"/>
                 <a:hlinkClick r:id="rId2"/>
@@ -19018,14 +19177,14 @@
               <a:t>https://localhost:4200</a:t>
             </a:r>
             <a:r>
-              <a:rPr lang="en-US">
+              <a:rPr lang="en-US" dirty="0">
                 <a:latin typeface="Consolas" panose="020B0609020204030204" pitchFamily="49" charset="0"/>
                 <a:cs typeface="Consolas" panose="020B0609020204030204" pitchFamily="49" charset="0"/>
               </a:rPr>
               <a:t> </a:t>
             </a:r>
             <a:r>
-              <a:rPr lang="en-US">
+              <a:rPr lang="en-US" dirty="0">
                 <a:cs typeface="Consolas" panose="020B0609020204030204" pitchFamily="49" charset="0"/>
               </a:rPr>
               <a:t>by default</a:t>
@@ -19035,7 +19194,7 @@
             <a:pPr marL="342900" lvl="1" indent="0">
               <a:buNone/>
             </a:pPr>
-            <a:endParaRPr lang="en-US">
+            <a:endParaRPr lang="en-US" dirty="0">
               <a:latin typeface="Consolas" panose="020B0609020204030204" pitchFamily="49" charset="0"/>
               <a:cs typeface="Consolas" panose="020B0609020204030204" pitchFamily="49" charset="0"/>
             </a:endParaRPr>
@@ -19044,14 +19203,14 @@
             <a:pPr marL="342900" lvl="1" indent="0">
               <a:buNone/>
             </a:pPr>
-            <a:endParaRPr lang="en-US">
+            <a:endParaRPr lang="en-US" dirty="0">
               <a:latin typeface="Consolas" panose="020B0609020204030204" pitchFamily="49" charset="0"/>
               <a:cs typeface="Consolas" panose="020B0609020204030204" pitchFamily="49" charset="0"/>
             </a:endParaRPr>
           </a:p>
           <a:p>
             <a:pPr lvl="1"/>
-            <a:endParaRPr lang="en-US"/>
+            <a:endParaRPr lang="en-US" dirty="0"/>
           </a:p>
         </p:txBody>
       </p:sp>
@@ -19155,10 +19314,7 @@
             </a:endParaRPr>
           </a:p>
           <a:p>
-            <a:pPr lvl="1">
-              <a:buFont typeface="Courier New" panose="02070309020205020404" pitchFamily="49" charset="0"/>
-              <a:buChar char="o"/>
-            </a:pPr>
+            <a:pPr lvl="1"/>
             <a:r>
               <a:rPr lang="en-US" dirty="0" err="1">
                 <a:latin typeface="Consolas" panose="020B0609020204030204" pitchFamily="49" charset="0"/>
@@ -19172,10 +19328,7 @@
             </a:endParaRPr>
           </a:p>
           <a:p>
-            <a:pPr lvl="1">
-              <a:buFont typeface="Courier New" panose="02070309020205020404" pitchFamily="49" charset="0"/>
-              <a:buChar char="o"/>
-            </a:pPr>
+            <a:pPr lvl="1"/>
             <a:r>
               <a:rPr lang="en-US" dirty="0" err="1">
                 <a:latin typeface="Consolas" panose="020B0609020204030204" pitchFamily="49" charset="0"/>
@@ -19203,41 +19356,7 @@
             </a:endParaRPr>
           </a:p>
           <a:p>
-            <a:pPr lvl="1">
-              <a:buFont typeface="Courier New" panose="02070309020205020404" pitchFamily="49" charset="0"/>
-              <a:buChar char="o"/>
-            </a:pPr>
-            <a:r>
-              <a:rPr lang="en-US" dirty="0" err="1">
-                <a:latin typeface="Consolas" panose="020B0609020204030204" pitchFamily="49" charset="0"/>
-                <a:cs typeface="Consolas" panose="020B0609020204030204" pitchFamily="49" charset="0"/>
-              </a:rPr>
-              <a:t>src</a:t>
-            </a:r>
-            <a:r>
-              <a:rPr lang="en-US" dirty="0">
-                <a:latin typeface="Consolas" panose="020B0609020204030204" pitchFamily="49" charset="0"/>
-                <a:cs typeface="Consolas" panose="020B0609020204030204" pitchFamily="49" charset="0"/>
-              </a:rPr>
-              <a:t>/</a:t>
-            </a:r>
-            <a:r>
-              <a:rPr lang="en-US" dirty="0" err="1">
-                <a:latin typeface="Consolas" panose="020B0609020204030204" pitchFamily="49" charset="0"/>
-                <a:cs typeface="Consolas" panose="020B0609020204030204" pitchFamily="49" charset="0"/>
-              </a:rPr>
-              <a:t>main.ts</a:t>
-            </a:r>
-            <a:endParaRPr lang="en-US" dirty="0">
-              <a:latin typeface="Consolas" panose="020B0609020204030204" pitchFamily="49" charset="0"/>
-              <a:cs typeface="Consolas" panose="020B0609020204030204" pitchFamily="49" charset="0"/>
-            </a:endParaRPr>
-          </a:p>
-          <a:p>
-            <a:pPr lvl="1">
-              <a:buFont typeface="Courier New" panose="02070309020205020404" pitchFamily="49" charset="0"/>
-              <a:buChar char="o"/>
-            </a:pPr>
+            <a:pPr lvl="1"/>
             <a:r>
               <a:rPr lang="en-US" dirty="0" err="1">
                 <a:latin typeface="Consolas" panose="020B0609020204030204" pitchFamily="49" charset="0"/>
@@ -19355,8 +19474,8 @@
         </p:blipFill>
         <p:spPr>
           <a:xfrm>
-            <a:off x="1981777" y="2296404"/>
-            <a:ext cx="5180446" cy="2876579"/>
+            <a:off x="484971" y="1465264"/>
+            <a:ext cx="6677252" cy="3707720"/>
           </a:xfrm>
           <a:prstGeom prst="rect">
             <a:avLst/>
